--- a/Slides/Lesson 2.4 Testing.pptx
+++ b/Slides/Lesson 2.4 Testing.pptx
@@ -27,10 +27,10 @@
     <p:sldId id="287" r:id="rId18"/>
     <p:sldId id="328" r:id="rId19"/>
     <p:sldId id="288" r:id="rId20"/>
-    <p:sldId id="292" r:id="rId21"/>
-    <p:sldId id="329" r:id="rId22"/>
-    <p:sldId id="336" r:id="rId23"/>
-    <p:sldId id="291" r:id="rId24"/>
+    <p:sldId id="336" r:id="rId21"/>
+    <p:sldId id="291" r:id="rId22"/>
+    <p:sldId id="292" r:id="rId23"/>
+    <p:sldId id="329" r:id="rId24"/>
     <p:sldId id="330" r:id="rId25"/>
     <p:sldId id="293" r:id="rId26"/>
     <p:sldId id="337" r:id="rId27"/>
@@ -167,10 +167,10 @@
             <p14:sldId id="287"/>
             <p14:sldId id="328"/>
             <p14:sldId id="288"/>
+            <p14:sldId id="336"/>
+            <p14:sldId id="291"/>
             <p14:sldId id="292"/>
             <p14:sldId id="329"/>
-            <p14:sldId id="336"/>
-            <p14:sldId id="291"/>
             <p14:sldId id="330"/>
             <p14:sldId id="293"/>
             <p14:sldId id="337"/>
@@ -286,7 +286,7 @@
           <a:p>
             <a:fld id="{0FAC78B3-EDCE-4187-A1AE-28620314FA32}" type="datetimeFigureOut">
               <a:rPr lang="en-US" smtClean="0"/>
-              <a:t>7/28/2016</a:t>
+              <a:t>7/26/2017</a:t>
             </a:fld>
             <a:endParaRPr lang="en-US"/>
           </a:p>
@@ -1334,7 +1334,7 @@
                 </a:solidFill>
               </a:rPr>
               <a:pPr/>
-              <a:t>7/28/2016</a:t>
+              <a:t>7/26/2017</a:t>
             </a:fld>
             <a:endParaRPr lang="en-US">
               <a:solidFill>
@@ -1461,7 +1461,7 @@
                 </a:solidFill>
               </a:rPr>
               <a:pPr/>
-              <a:t>7/28/2016</a:t>
+              <a:t>7/26/2017</a:t>
             </a:fld>
             <a:endParaRPr lang="en-US">
               <a:solidFill>
@@ -1768,7 +1768,7 @@
                 </a:solidFill>
               </a:rPr>
               <a:pPr/>
-              <a:t>7/28/2016</a:t>
+              <a:t>7/26/2017</a:t>
             </a:fld>
             <a:endParaRPr lang="en-US">
               <a:solidFill>
@@ -2052,7 +2052,7 @@
                 </a:solidFill>
               </a:rPr>
               <a:pPr/>
-              <a:t>7/28/2016</a:t>
+              <a:t>7/26/2017</a:t>
             </a:fld>
             <a:endParaRPr lang="en-US">
               <a:solidFill>
@@ -2252,7 +2252,7 @@
                 </a:solidFill>
               </a:rPr>
               <a:pPr/>
-              <a:t>7/28/2016</a:t>
+              <a:t>7/26/2017</a:t>
             </a:fld>
             <a:endParaRPr lang="en-US">
               <a:solidFill>
@@ -2462,7 +2462,7 @@
                 </a:solidFill>
               </a:rPr>
               <a:pPr/>
-              <a:t>7/28/2016</a:t>
+              <a:t>7/26/2017</a:t>
             </a:fld>
             <a:endParaRPr lang="en-US">
               <a:solidFill>
@@ -2668,7 +2668,7 @@
                 </a:solidFill>
               </a:rPr>
               <a:pPr/>
-              <a:t>7/28/2016</a:t>
+              <a:t>7/26/2017</a:t>
             </a:fld>
             <a:endParaRPr lang="en-US">
               <a:solidFill>
@@ -2873,7 +2873,7 @@
                 </a:solidFill>
               </a:rPr>
               <a:pPr/>
-              <a:t>7/28/2016</a:t>
+              <a:t>7/26/2017</a:t>
             </a:fld>
             <a:endParaRPr lang="en-US">
               <a:solidFill>
@@ -3164,7 +3164,7 @@
                 </a:solidFill>
               </a:rPr>
               <a:pPr/>
-              <a:t>7/28/2016</a:t>
+              <a:t>7/26/2017</a:t>
             </a:fld>
             <a:endParaRPr lang="en-US">
               <a:solidFill>
@@ -3372,7 +3372,7 @@
                 </a:solidFill>
               </a:rPr>
               <a:pPr/>
-              <a:t>7/28/2016</a:t>
+              <a:t>7/26/2017</a:t>
             </a:fld>
             <a:endParaRPr lang="en-US">
               <a:solidFill>
@@ -3698,7 +3698,7 @@
                 </a:solidFill>
               </a:rPr>
               <a:pPr/>
-              <a:t>7/28/2016</a:t>
+              <a:t>7/26/2017</a:t>
             </a:fld>
             <a:endParaRPr lang="en-US">
               <a:solidFill>
@@ -4015,7 +4015,7 @@
                 </a:solidFill>
               </a:rPr>
               <a:pPr/>
-              <a:t>7/28/2016</a:t>
+              <a:t>7/26/2017</a:t>
             </a:fld>
             <a:endParaRPr lang="en-US">
               <a:solidFill>
@@ -4466,7 +4466,7 @@
                 </a:solidFill>
               </a:rPr>
               <a:pPr/>
-              <a:t>7/28/2016</a:t>
+              <a:t>7/26/2017</a:t>
             </a:fld>
             <a:endParaRPr lang="en-US">
               <a:solidFill>
@@ -4615,7 +4615,7 @@
                 </a:solidFill>
               </a:rPr>
               <a:pPr/>
-              <a:t>7/28/2016</a:t>
+              <a:t>7/26/2017</a:t>
             </a:fld>
             <a:endParaRPr lang="en-US">
               <a:solidFill>
@@ -4870,7 +4870,7 @@
                 </a:solidFill>
               </a:rPr>
               <a:pPr/>
-              <a:t>7/28/2016</a:t>
+              <a:t>7/26/2017</a:t>
             </a:fld>
             <a:endParaRPr lang="en-US">
               <a:solidFill>
@@ -6010,7 +6010,7 @@
             </a:r>
             <a:r>
               <a:rPr lang="en-US" dirty="0"/>
-              <a:t> testing requirement.</a:t>
+              <a:t> testing requirement(*).</a:t>
             </a:r>
           </a:p>
           <a:p>
@@ -6060,6 +6060,44 @@
               <a:t>12</a:t>
             </a:fld>
             <a:endParaRPr lang="en-US"/>
+          </a:p>
+        </p:txBody>
+      </p:sp>
+      <p:sp>
+        <p:nvSpPr>
+          <p:cNvPr id="5" name="TextBox 4"/>
+          <p:cNvSpPr txBox="1"/>
+          <p:nvPr/>
+        </p:nvSpPr>
+        <p:spPr>
+          <a:xfrm>
+            <a:off x="2819400" y="6075144"/>
+            <a:ext cx="3505200" cy="646331"/>
+          </a:xfrm>
+          <a:prstGeom prst="rect">
+            <a:avLst/>
+          </a:prstGeom>
+          <a:noFill/>
+          <a:ln w="12700">
+            <a:solidFill>
+              <a:schemeClr val="tx1"/>
+            </a:solidFill>
+          </a:ln>
+        </p:spPr>
+        <p:txBody>
+          <a:bodyPr wrap="square" rtlCol="0">
+            <a:spAutoFit/>
+          </a:bodyPr>
+          <a:lstStyle/>
+          <a:p>
+            <a:r>
+              <a:rPr lang="en-US" dirty="0"/>
+              <a:t>(*) except for functions that call </a:t>
+            </a:r>
+            <a:r>
+              <a:rPr lang="en-US" b="1" dirty="0"/>
+              <a:t>big-bang</a:t>
+            </a:r>
           </a:p>
         </p:txBody>
       </p:sp>
@@ -7126,9 +7164,9 @@
             <a:avLst/>
           </a:prstGeom>
           <a:solidFill>
-            <a:schemeClr val="accent3">
-              <a:lumMod val="40000"/>
-              <a:lumOff val="60000"/>
+            <a:schemeClr val="accent2">
+              <a:lumMod val="20000"/>
+              <a:lumOff val="80000"/>
             </a:schemeClr>
           </a:solidFill>
           <a:ln/>
@@ -7583,7 +7621,7 @@
                 <a:latin typeface="Consolas" pitchFamily="49" charset="0"/>
                 <a:cs typeface="Consolas" pitchFamily="49" charset="0"/>
               </a:rPr>
-              <a:t>"button-down inside the ball failed to select it")</a:t>
+              <a:t>"button-down inside the ball should select it")</a:t>
             </a:r>
           </a:p>
           <a:p>
@@ -7692,7 +7730,7 @@
                 <a:latin typeface="Consolas" pitchFamily="49" charset="0"/>
                 <a:cs typeface="Consolas" pitchFamily="49" charset="0"/>
               </a:rPr>
-              <a:t>"button-down outside the ball did not leave it unchanged")</a:t>
+              <a:t>"button-down outside the ball should leave it unchanged")</a:t>
             </a:r>
           </a:p>
         </p:txBody>
@@ -7748,8 +7786,12 @@
               <a:buChar char="•"/>
             </a:pPr>
             <a:r>
-              <a:rPr lang="en-US" dirty="0"/>
-              <a:t>check-equal? takes 3 arguments:  the expression to be tested, the value we believe is the correct answer, and an optional string that is printed if the test fails.</a:t>
+              <a:rPr lang="en-US" b="1" dirty="0"/>
+              <a:t>check-equal? </a:t>
+            </a:r>
+            <a:r>
+              <a:rPr lang="en-US" dirty="0"/>
+              <a:t>takes 3 arguments:  the expression to be tested, the value we believe is the correct answer, and an optional string that is printed if the test fails.</a:t>
             </a:r>
           </a:p>
           <a:p>
@@ -7927,64 +7969,41 @@
           <a:p>
             <a:r>
               <a:rPr lang="en-US" dirty="0"/>
-              <a:t>Testing Pitfalls</a:t>
-            </a:r>
-          </a:p>
-        </p:txBody>
-      </p:sp>
-      <p:sp>
-        <p:nvSpPr>
-          <p:cNvPr id="3" name="Content Placeholder 2"/>
-          <p:cNvSpPr>
-            <a:spLocks noGrp="1"/>
-          </p:cNvSpPr>
+              <a:t>Video: ball-after-mouse-with-tests </a:t>
+            </a:r>
+          </a:p>
+        </p:txBody>
+      </p:sp>
+      <p:pic>
+        <p:nvPicPr>
+          <p:cNvPr id="5" name="Sm_RchgWAu0"/>
+          <p:cNvPicPr>
+            <a:picLocks noGrp="1" noRot="1" noChangeAspect="1"/>
+          </p:cNvPicPr>
           <p:nvPr>
             <p:ph idx="1"/>
-          </p:nvPr>
-        </p:nvSpPr>
-        <p:spPr/>
-        <p:txBody>
-          <a:bodyPr/>
-          <a:lstStyle/>
-          <a:p>
-            <a:r>
-              <a:rPr lang="en-US" dirty="0"/>
-              <a:t>DON’T just paste in the actual results of your function.  </a:t>
-            </a:r>
-          </a:p>
-          <a:p>
-            <a:r>
-              <a:rPr lang="en-US" dirty="0"/>
-              <a:t>Some functions may have more than one correct answer; </a:t>
-            </a:r>
-          </a:p>
-          <a:p>
-            <a:pPr lvl="1"/>
-            <a:r>
-              <a:rPr lang="en-US" dirty="0"/>
-              <a:t>your tests should accept </a:t>
-            </a:r>
-            <a:r>
-              <a:rPr lang="en-US" i="1" dirty="0"/>
-              <a:t>any</a:t>
-            </a:r>
-            <a:r>
-              <a:rPr lang="en-US" dirty="0"/>
-              <a:t> correct answer, not just the one your solution happens to produce</a:t>
-            </a:r>
-          </a:p>
-          <a:p>
-            <a:pPr lvl="1"/>
-            <a:r>
-              <a:rPr lang="en-US" dirty="0"/>
-              <a:t>use property testing to handle this situation.</a:t>
-            </a:r>
-          </a:p>
-        </p:txBody>
-      </p:sp>
-      <p:sp>
-        <p:nvSpPr>
-          <p:cNvPr id="4" name="Slide Number Placeholder 3"/>
+            <a:videoFile r:link="rId1"/>
+          </p:nvPr>
+        </p:nvPicPr>
+        <p:blipFill>
+          <a:blip r:embed="rId3"/>
+          <a:stretch>
+            <a:fillRect/>
+          </a:stretch>
+        </p:blipFill>
+        <p:spPr>
+          <a:xfrm>
+            <a:off x="1524000" y="1905000"/>
+            <a:ext cx="6096000" cy="3429000"/>
+          </a:xfrm>
+          <a:prstGeom prst="rect">
+            <a:avLst/>
+          </a:prstGeom>
+        </p:spPr>
+      </p:pic>
+      <p:sp>
+        <p:nvSpPr>
+          <p:cNvPr id="3" name="Slide Number Placeholder 2"/>
           <p:cNvSpPr>
             <a:spLocks noGrp="1"/>
           </p:cNvSpPr>
@@ -8006,10 +8025,103 @@
           </a:p>
         </p:txBody>
       </p:sp>
+      <p:sp>
+        <p:nvSpPr>
+          <p:cNvPr id="6" name="TextBox 5"/>
+          <p:cNvSpPr txBox="1"/>
+          <p:nvPr/>
+        </p:nvSpPr>
+        <p:spPr>
+          <a:xfrm>
+            <a:off x="2895600" y="5604430"/>
+            <a:ext cx="4267200" cy="954107"/>
+          </a:xfrm>
+          <a:prstGeom prst="rect">
+            <a:avLst/>
+          </a:prstGeom>
+          <a:solidFill>
+            <a:schemeClr val="accent1">
+              <a:lumMod val="20000"/>
+              <a:lumOff val="80000"/>
+            </a:schemeClr>
+          </a:solidFill>
+          <a:ln>
+            <a:noFill/>
+          </a:ln>
+        </p:spPr>
+        <p:txBody>
+          <a:bodyPr wrap="square" rtlCol="0">
+            <a:spAutoFit/>
+          </a:bodyPr>
+          <a:lstStyle/>
+          <a:p>
+            <a:r>
+              <a:rPr lang="en-US" sz="1400" dirty="0"/>
+              <a:t>Note:  this video uses an older version of our testing technology.  We use </a:t>
+            </a:r>
+            <a:r>
+              <a:rPr lang="en-US" sz="1400" b="1" dirty="0"/>
+              <a:t>begin-for-test</a:t>
+            </a:r>
+            <a:r>
+              <a:rPr lang="en-US" sz="1400" dirty="0"/>
+              <a:t> instead of </a:t>
+            </a:r>
+            <a:r>
+              <a:rPr lang="en-US" sz="1400" b="1" dirty="0"/>
+              <a:t>define-test-suite</a:t>
+            </a:r>
+            <a:r>
+              <a:rPr lang="en-US" sz="1400" dirty="0"/>
+              <a:t> and </a:t>
+            </a:r>
+            <a:r>
+              <a:rPr lang="en-US" sz="1400" b="1" dirty="0"/>
+              <a:t>run-test</a:t>
+            </a:r>
+            <a:r>
+              <a:rPr lang="en-US" sz="1400" dirty="0"/>
+              <a:t>. The details are a little different, but the principles are the same.</a:t>
+            </a:r>
+          </a:p>
+        </p:txBody>
+      </p:sp>
+      <p:sp>
+        <p:nvSpPr>
+          <p:cNvPr id="7" name="TextBox 6"/>
+          <p:cNvSpPr txBox="1"/>
+          <p:nvPr/>
+        </p:nvSpPr>
+        <p:spPr>
+          <a:xfrm>
+            <a:off x="457200" y="5604430"/>
+            <a:ext cx="1364989" cy="369332"/>
+          </a:xfrm>
+          <a:prstGeom prst="rect">
+            <a:avLst/>
+          </a:prstGeom>
+          <a:noFill/>
+        </p:spPr>
+        <p:txBody>
+          <a:bodyPr wrap="none" rtlCol="0">
+            <a:spAutoFit/>
+          </a:bodyPr>
+          <a:lstStyle/>
+          <a:p>
+            <a:r>
+              <a:rPr lang="en-US" dirty="0">
+                <a:hlinkClick r:id="rId4"/>
+              </a:rPr>
+              <a:t>YouTube link</a:t>
+            </a:r>
+            <a:endParaRPr lang="en-US" dirty="0"/>
+          </a:p>
+        </p:txBody>
+      </p:sp>
     </p:spTree>
     <p:extLst>
       <p:ext uri="{BB962C8B-B14F-4D97-AF65-F5344CB8AC3E}">
-        <p14:creationId xmlns:p14="http://schemas.microsoft.com/office/powerpoint/2010/main" val="3477481543"/>
+        <p14:creationId xmlns:p14="http://schemas.microsoft.com/office/powerpoint/2010/main" val="3543068408"/>
       </p:ext>
     </p:extLst>
   </p:cSld>
@@ -8046,14 +8158,18 @@
             <p:ph type="title"/>
           </p:nvPr>
         </p:nvSpPr>
-        <p:spPr/>
-        <p:txBody>
-          <a:bodyPr/>
-          <a:lstStyle/>
-          <a:p>
-            <a:r>
-              <a:rPr lang="en-US" dirty="0"/>
-              <a:t>Testing Pitfalls (2)</a:t>
+        <p:spPr>
+          <a:noFill/>
+        </p:spPr>
+        <p:txBody>
+          <a:bodyPr>
+            <a:normAutofit/>
+          </a:bodyPr>
+          <a:lstStyle/>
+          <a:p>
+            <a:r>
+              <a:rPr lang="en-US" dirty="0"/>
+              <a:t>Using Tests</a:t>
             </a:r>
           </a:p>
         </p:txBody>
@@ -8077,118 +8193,44 @@
           <a:p>
             <a:r>
               <a:rPr lang="en-US" dirty="0"/>
-              <a:t>Avoid coincidences in your tests, just as you did in your examples</a:t>
-            </a:r>
-          </a:p>
-          <a:p>
-            <a:r>
-              <a:rPr lang="en-US" dirty="0"/>
-              <a:t>Bad:</a:t>
-            </a:r>
-          </a:p>
-          <a:p>
-            <a:pPr marL="400050" lvl="1" indent="0">
-              <a:buNone/>
-            </a:pPr>
-            <a:r>
-              <a:rPr lang="en-US" sz="1800" b="1" dirty="0">
-                <a:latin typeface="Consolas" pitchFamily="49" charset="0"/>
-                <a:cs typeface="Consolas" pitchFamily="49" charset="0"/>
-              </a:rPr>
-              <a:t>(check-equal?</a:t>
-            </a:r>
-          </a:p>
-          <a:p>
-            <a:pPr marL="400050" lvl="1" indent="0">
-              <a:buNone/>
-            </a:pPr>
-            <a:r>
-              <a:rPr lang="en-US" sz="1800" b="1" dirty="0">
-                <a:latin typeface="Consolas" pitchFamily="49" charset="0"/>
-                <a:cs typeface="Consolas" pitchFamily="49" charset="0"/>
-              </a:rPr>
-              <a:t> (book-profit-margin </a:t>
-            </a:r>
-          </a:p>
-          <a:p>
-            <a:pPr marL="400050" lvl="1" indent="0">
-              <a:buNone/>
-            </a:pPr>
-            <a:r>
-              <a:rPr lang="en-US" sz="1800" b="1" dirty="0">
-                <a:latin typeface="Consolas" pitchFamily="49" charset="0"/>
-                <a:cs typeface="Consolas" pitchFamily="49" charset="0"/>
-              </a:rPr>
-              <a:t>  (make-book "Little Lisper" "Friedman" 2.00 4.00)) </a:t>
-            </a:r>
-          </a:p>
-          <a:p>
-            <a:pPr marL="400050" lvl="1" indent="0">
-              <a:buNone/>
-            </a:pPr>
-            <a:r>
-              <a:rPr lang="en-US" sz="1800" b="1" dirty="0">
-                <a:latin typeface="Consolas" pitchFamily="49" charset="0"/>
-                <a:cs typeface="Consolas" pitchFamily="49" charset="0"/>
-              </a:rPr>
-              <a:t> 2.00)</a:t>
-            </a:r>
-          </a:p>
-          <a:p>
-            <a:r>
-              <a:rPr lang="en-US" dirty="0"/>
-              <a:t>Better:</a:t>
-            </a:r>
-          </a:p>
-          <a:p>
-            <a:pPr marL="400050" lvl="1" indent="0">
-              <a:buNone/>
-            </a:pPr>
-            <a:r>
-              <a:rPr lang="en-US" sz="1800" b="1" dirty="0">
-                <a:latin typeface="Consolas" pitchFamily="49" charset="0"/>
-                <a:cs typeface="Consolas" pitchFamily="49" charset="0"/>
-              </a:rPr>
-              <a:t>(check-equal?</a:t>
-            </a:r>
-          </a:p>
-          <a:p>
-            <a:pPr marL="400050" lvl="1" indent="0">
-              <a:buNone/>
-            </a:pPr>
-            <a:r>
-              <a:rPr lang="en-US" sz="1800" b="1" dirty="0">
-                <a:latin typeface="Consolas" pitchFamily="49" charset="0"/>
-                <a:cs typeface="Consolas" pitchFamily="49" charset="0"/>
-              </a:rPr>
-              <a:t> (book-profit-margin </a:t>
-            </a:r>
-          </a:p>
-          <a:p>
-            <a:pPr marL="400050" lvl="1" indent="0">
-              <a:buNone/>
-            </a:pPr>
-            <a:r>
-              <a:rPr lang="en-US" sz="1800" b="1" dirty="0">
-                <a:latin typeface="Consolas" pitchFamily="49" charset="0"/>
-                <a:cs typeface="Consolas" pitchFamily="49" charset="0"/>
-              </a:rPr>
-              <a:t>  (make-book "Little Lisper" "Friedman" 2.00 5.00)) </a:t>
-            </a:r>
-          </a:p>
-          <a:p>
-            <a:pPr marL="400050" lvl="1" indent="0">
-              <a:buNone/>
-            </a:pPr>
-            <a:r>
-              <a:rPr lang="en-US" sz="1800" b="1" dirty="0">
-                <a:latin typeface="Consolas" pitchFamily="49" charset="0"/>
-                <a:cs typeface="Consolas" pitchFamily="49" charset="0"/>
-              </a:rPr>
-              <a:t> 3.00)</a:t>
-            </a:r>
-          </a:p>
-          <a:p>
+              <a:t>Run your program with its tests</a:t>
+            </a:r>
+          </a:p>
+          <a:p>
+            <a:r>
+              <a:rPr lang="en-US" dirty="0"/>
+              <a:t>Debug so that all your tests pass</a:t>
+            </a:r>
+          </a:p>
+          <a:p>
+            <a:r>
+              <a:rPr lang="en-US" dirty="0"/>
+              <a:t>If you didn't achieve 100% expression coverage, go back and add more tests.</a:t>
+            </a:r>
+          </a:p>
+          <a:p>
+            <a:pPr lvl="1"/>
+            <a:r>
+              <a:rPr lang="en-US" dirty="0"/>
+              <a:t>Just because your tests pass with 100% coverage doesn’t mean your program is right!</a:t>
+            </a:r>
+          </a:p>
+          <a:p>
+            <a:pPr lvl="1"/>
+            <a:r>
+              <a:rPr lang="en-US" dirty="0"/>
+              <a:t>But 100% expression coverage is our standard for this course.</a:t>
+            </a:r>
+          </a:p>
+          <a:p>
+            <a:pPr lvl="1"/>
+            <a:r>
+              <a:rPr lang="en-US" dirty="0"/>
+              <a:t>Your workplace may have different standards. </a:t>
+            </a:r>
+          </a:p>
+          <a:p>
+            <a:pPr lvl="1"/>
             <a:endParaRPr lang="en-US" dirty="0"/>
           </a:p>
         </p:txBody>
@@ -8217,10 +8259,83 @@
           </a:p>
         </p:txBody>
       </p:sp>
+      <p:sp>
+        <p:nvSpPr>
+          <p:cNvPr id="5" name="TextBox 4"/>
+          <p:cNvSpPr txBox="1"/>
+          <p:nvPr/>
+        </p:nvSpPr>
+        <p:spPr>
+          <a:xfrm>
+            <a:off x="5410201" y="5929814"/>
+            <a:ext cx="2057400" cy="646331"/>
+          </a:xfrm>
+          <a:prstGeom prst="rect">
+            <a:avLst/>
+          </a:prstGeom>
+          <a:solidFill>
+            <a:schemeClr val="accent1">
+              <a:lumMod val="20000"/>
+              <a:lumOff val="80000"/>
+            </a:schemeClr>
+          </a:solidFill>
+        </p:spPr>
+        <p:txBody>
+          <a:bodyPr wrap="square" rtlCol="0">
+            <a:spAutoFit/>
+          </a:bodyPr>
+          <a:lstStyle/>
+          <a:p>
+            <a:r>
+              <a:rPr lang="en-US" dirty="0"/>
+              <a:t>except for functions that call </a:t>
+            </a:r>
+            <a:r>
+              <a:rPr lang="en-US" b="1" dirty="0"/>
+              <a:t>big-bang</a:t>
+            </a:r>
+          </a:p>
+        </p:txBody>
+      </p:sp>
+      <p:cxnSp>
+        <p:nvCxnSpPr>
+          <p:cNvPr id="7" name="Straight Arrow Connector 6"/>
+          <p:cNvCxnSpPr>
+            <a:stCxn id="5" idx="1"/>
+          </p:cNvCxnSpPr>
+          <p:nvPr/>
+        </p:nvCxnSpPr>
+        <p:spPr>
+          <a:xfrm flipH="1" flipV="1">
+            <a:off x="3124200" y="5105400"/>
+            <a:ext cx="2286001" cy="1147580"/>
+          </a:xfrm>
+          <a:prstGeom prst="straightConnector1">
+            <a:avLst/>
+          </a:prstGeom>
+          <a:ln>
+            <a:tailEnd type="triangle"/>
+          </a:ln>
+        </p:spPr>
+        <p:style>
+          <a:lnRef idx="1">
+            <a:schemeClr val="accent1"/>
+          </a:lnRef>
+          <a:fillRef idx="0">
+            <a:schemeClr val="accent1"/>
+          </a:fillRef>
+          <a:effectRef idx="0">
+            <a:schemeClr val="accent1"/>
+          </a:effectRef>
+          <a:fontRef idx="minor">
+            <a:schemeClr val="tx1"/>
+          </a:fontRef>
+        </p:style>
+      </p:cxnSp>
     </p:spTree>
     <p:extLst>
       <p:ext uri="{BB962C8B-B14F-4D97-AF65-F5344CB8AC3E}">
-        <p14:creationId xmlns:p14="http://schemas.microsoft.com/office/powerpoint/2010/main" val="1501328677"/>
+        <p14:creationId xmlns:p14="http://schemas.microsoft.com/office/powerpoint/2010/main" val="4086573627"/>
       </p:ext>
     </p:extLst>
   </p:cSld>
@@ -8264,41 +8379,64 @@
           <a:p>
             <a:r>
               <a:rPr lang="en-US" dirty="0"/>
-              <a:t>Video: ball-after-mouse-with-tests </a:t>
-            </a:r>
-          </a:p>
-        </p:txBody>
-      </p:sp>
-      <p:pic>
-        <p:nvPicPr>
-          <p:cNvPr id="5" name="Sm_RchgWAu0"/>
-          <p:cNvPicPr>
-            <a:picLocks noGrp="1" noRot="1" noChangeAspect="1"/>
-          </p:cNvPicPr>
+              <a:t>Testing Pitfalls</a:t>
+            </a:r>
+          </a:p>
+        </p:txBody>
+      </p:sp>
+      <p:sp>
+        <p:nvSpPr>
+          <p:cNvPr id="3" name="Content Placeholder 2"/>
+          <p:cNvSpPr>
+            <a:spLocks noGrp="1"/>
+          </p:cNvSpPr>
           <p:nvPr>
             <p:ph idx="1"/>
-            <a:videoFile r:link="rId1"/>
-          </p:nvPr>
-        </p:nvPicPr>
-        <p:blipFill>
-          <a:blip r:embed="rId3"/>
-          <a:stretch>
-            <a:fillRect/>
-          </a:stretch>
-        </p:blipFill>
-        <p:spPr>
-          <a:xfrm>
-            <a:off x="1524000" y="1981200"/>
-            <a:ext cx="6096000" cy="3429000"/>
-          </a:xfrm>
-          <a:prstGeom prst="rect">
-            <a:avLst/>
-          </a:prstGeom>
-        </p:spPr>
-      </p:pic>
-      <p:sp>
-        <p:nvSpPr>
-          <p:cNvPr id="3" name="Slide Number Placeholder 2"/>
+          </p:nvPr>
+        </p:nvSpPr>
+        <p:spPr/>
+        <p:txBody>
+          <a:bodyPr/>
+          <a:lstStyle/>
+          <a:p>
+            <a:r>
+              <a:rPr lang="en-US" dirty="0"/>
+              <a:t>DON’T just paste in the actual results of your function.  </a:t>
+            </a:r>
+          </a:p>
+          <a:p>
+            <a:r>
+              <a:rPr lang="en-US" dirty="0"/>
+              <a:t>Some functions may have more than one correct answer.</a:t>
+            </a:r>
+          </a:p>
+          <a:p>
+            <a:pPr lvl="1"/>
+            <a:r>
+              <a:rPr lang="en-US" dirty="0"/>
+              <a:t>your tests should accept </a:t>
+            </a:r>
+            <a:r>
+              <a:rPr lang="en-US" i="1" dirty="0"/>
+              <a:t>any</a:t>
+            </a:r>
+            <a:r>
+              <a:rPr lang="en-US" dirty="0"/>
+              <a:t> correct answer, not just the one your solution happens to produce</a:t>
+            </a:r>
+          </a:p>
+          <a:p>
+            <a:pPr lvl="1"/>
+            <a:r>
+              <a:rPr lang="en-US" dirty="0"/>
+              <a:t>use property testing to handle this situation.</a:t>
+            </a:r>
+          </a:p>
+        </p:txBody>
+      </p:sp>
+      <p:sp>
+        <p:nvSpPr>
+          <p:cNvPr id="4" name="Slide Number Placeholder 3"/>
           <p:cNvSpPr>
             <a:spLocks noGrp="1"/>
           </p:cNvSpPr>
@@ -8320,76 +8458,10 @@
           </a:p>
         </p:txBody>
       </p:sp>
-      <p:sp>
-        <p:nvSpPr>
-          <p:cNvPr id="6" name="TextBox 5"/>
-          <p:cNvSpPr txBox="1"/>
-          <p:nvPr/>
-        </p:nvSpPr>
-        <p:spPr>
-          <a:xfrm>
-            <a:off x="685800" y="6019800"/>
-            <a:ext cx="6705600" cy="646331"/>
-          </a:xfrm>
-          <a:prstGeom prst="rect">
-            <a:avLst/>
-          </a:prstGeom>
-          <a:noFill/>
-          <a:ln>
-            <a:solidFill>
-              <a:schemeClr val="tx1"/>
-            </a:solidFill>
-          </a:ln>
-        </p:spPr>
-        <p:txBody>
-          <a:bodyPr wrap="square" rtlCol="0">
-            <a:spAutoFit/>
-          </a:bodyPr>
-          <a:lstStyle/>
-          <a:p>
-            <a:r>
-              <a:rPr lang="en-US" dirty="0"/>
-              <a:t>Note:  this video uses an older version of our testing technology.  The details are a little different, but the principles are the same.</a:t>
-            </a:r>
-          </a:p>
-        </p:txBody>
-      </p:sp>
-      <p:sp>
-        <p:nvSpPr>
-          <p:cNvPr id="7" name="TextBox 6"/>
-          <p:cNvSpPr txBox="1"/>
-          <p:nvPr/>
-        </p:nvSpPr>
-        <p:spPr>
-          <a:xfrm>
-            <a:off x="457200" y="5604430"/>
-            <a:ext cx="1364989" cy="369332"/>
-          </a:xfrm>
-          <a:prstGeom prst="rect">
-            <a:avLst/>
-          </a:prstGeom>
-          <a:noFill/>
-        </p:spPr>
-        <p:txBody>
-          <a:bodyPr wrap="none" rtlCol="0">
-            <a:spAutoFit/>
-          </a:bodyPr>
-          <a:lstStyle/>
-          <a:p>
-            <a:r>
-              <a:rPr lang="en-US" dirty="0">
-                <a:hlinkClick r:id="rId4"/>
-              </a:rPr>
-              <a:t>YouTube link</a:t>
-            </a:r>
-            <a:endParaRPr lang="en-US" dirty="0"/>
-          </a:p>
-        </p:txBody>
-      </p:sp>
     </p:spTree>
     <p:extLst>
       <p:ext uri="{BB962C8B-B14F-4D97-AF65-F5344CB8AC3E}">
-        <p14:creationId xmlns:p14="http://schemas.microsoft.com/office/powerpoint/2010/main" val="3543068408"/>
+        <p14:creationId xmlns:p14="http://schemas.microsoft.com/office/powerpoint/2010/main" val="3477481543"/>
       </p:ext>
     </p:extLst>
   </p:cSld>
@@ -8426,18 +8498,14 @@
             <p:ph type="title"/>
           </p:nvPr>
         </p:nvSpPr>
-        <p:spPr>
-          <a:noFill/>
-        </p:spPr>
-        <p:txBody>
-          <a:bodyPr>
-            <a:normAutofit/>
-          </a:bodyPr>
-          <a:lstStyle/>
-          <a:p>
-            <a:r>
-              <a:rPr lang="en-US" dirty="0"/>
-              <a:t>Using Tests</a:t>
+        <p:spPr/>
+        <p:txBody>
+          <a:bodyPr/>
+          <a:lstStyle/>
+          <a:p>
+            <a:r>
+              <a:rPr lang="en-US" dirty="0"/>
+              <a:t>Testing Pitfalls (2)</a:t>
             </a:r>
           </a:p>
         </p:txBody>
@@ -8461,44 +8529,186 @@
           <a:p>
             <a:r>
               <a:rPr lang="en-US" dirty="0"/>
-              <a:t>Run your program with its tests</a:t>
-            </a:r>
-          </a:p>
-          <a:p>
-            <a:r>
-              <a:rPr lang="en-US" dirty="0"/>
-              <a:t>Debug so that all your tests pass</a:t>
-            </a:r>
-          </a:p>
-          <a:p>
-            <a:r>
-              <a:rPr lang="en-US" dirty="0"/>
-              <a:t>If you didn't achieve 100% expression coverage, go back and add more tests.</a:t>
-            </a:r>
-          </a:p>
-          <a:p>
-            <a:pPr lvl="1"/>
-            <a:r>
-              <a:rPr lang="en-US" dirty="0"/>
-              <a:t>Just because your tests pass with 100% coverage doesn’t mean your program is right!</a:t>
-            </a:r>
-          </a:p>
-          <a:p>
-            <a:pPr lvl="1"/>
-            <a:r>
-              <a:rPr lang="en-US" dirty="0"/>
-              <a:t>But 100% expression coverage is our standard for this course.</a:t>
-            </a:r>
-          </a:p>
-          <a:p>
-            <a:pPr lvl="1"/>
-            <a:r>
-              <a:rPr lang="en-US" dirty="0"/>
-              <a:t>Your workplace may have different standards. </a:t>
-            </a:r>
-          </a:p>
-          <a:p>
-            <a:pPr lvl="1"/>
+              <a:t>Avoid coincidences in your tests, just as you did in your examples</a:t>
+            </a:r>
+          </a:p>
+          <a:p>
+            <a:r>
+              <a:rPr lang="en-US" dirty="0"/>
+              <a:t>Bad:</a:t>
+            </a:r>
+          </a:p>
+          <a:p>
+            <a:pPr marL="400050" lvl="1" indent="0">
+              <a:buNone/>
+            </a:pPr>
+            <a:r>
+              <a:rPr lang="en-US" sz="1800" b="1" dirty="0">
+                <a:latin typeface="Consolas" pitchFamily="49" charset="0"/>
+                <a:cs typeface="Consolas" pitchFamily="49" charset="0"/>
+              </a:rPr>
+              <a:t>(check-equal?</a:t>
+            </a:r>
+          </a:p>
+          <a:p>
+            <a:pPr marL="400050" lvl="1" indent="0">
+              <a:buNone/>
+            </a:pPr>
+            <a:r>
+              <a:rPr lang="en-US" sz="1800" b="1" dirty="0">
+                <a:latin typeface="Consolas" pitchFamily="49" charset="0"/>
+                <a:cs typeface="Consolas" pitchFamily="49" charset="0"/>
+              </a:rPr>
+              <a:t> (book-profit-margin </a:t>
+            </a:r>
+          </a:p>
+          <a:p>
+            <a:pPr marL="400050" lvl="1" indent="0">
+              <a:buNone/>
+            </a:pPr>
+            <a:r>
+              <a:rPr lang="en-US" sz="1800" b="1" dirty="0">
+                <a:latin typeface="Consolas" pitchFamily="49" charset="0"/>
+                <a:cs typeface="Consolas" pitchFamily="49" charset="0"/>
+              </a:rPr>
+              <a:t>  (make-book "Little Lisper" "Friedman" </a:t>
+            </a:r>
+            <a:r>
+              <a:rPr lang="en-US" sz="1800" b="1" dirty="0">
+                <a:solidFill>
+                  <a:srgbClr val="FF0000"/>
+                </a:solidFill>
+                <a:latin typeface="Consolas" pitchFamily="49" charset="0"/>
+                <a:cs typeface="Consolas" pitchFamily="49" charset="0"/>
+              </a:rPr>
+              <a:t>2.00 4.00</a:t>
+            </a:r>
+            <a:r>
+              <a:rPr lang="en-US" sz="1800" b="1" dirty="0">
+                <a:latin typeface="Consolas" pitchFamily="49" charset="0"/>
+                <a:cs typeface="Consolas" pitchFamily="49" charset="0"/>
+              </a:rPr>
+              <a:t>)) </a:t>
+            </a:r>
+          </a:p>
+          <a:p>
+            <a:pPr marL="400050" lvl="1" indent="0">
+              <a:buNone/>
+            </a:pPr>
+            <a:r>
+              <a:rPr lang="en-US" sz="1800" b="1" dirty="0">
+                <a:latin typeface="Consolas" pitchFamily="49" charset="0"/>
+                <a:cs typeface="Consolas" pitchFamily="49" charset="0"/>
+              </a:rPr>
+              <a:t> </a:t>
+            </a:r>
+            <a:r>
+              <a:rPr lang="en-US" sz="1800" b="1" dirty="0">
+                <a:solidFill>
+                  <a:srgbClr val="FF0000"/>
+                </a:solidFill>
+                <a:latin typeface="Consolas" pitchFamily="49" charset="0"/>
+                <a:cs typeface="Consolas" pitchFamily="49" charset="0"/>
+              </a:rPr>
+              <a:t>2.00</a:t>
+            </a:r>
+            <a:r>
+              <a:rPr lang="en-US" sz="1800" b="1" dirty="0">
+                <a:latin typeface="Consolas" pitchFamily="49" charset="0"/>
+                <a:cs typeface="Consolas" pitchFamily="49" charset="0"/>
+              </a:rPr>
+              <a:t>)</a:t>
+            </a:r>
+          </a:p>
+          <a:p>
+            <a:r>
+              <a:rPr lang="en-US" dirty="0"/>
+              <a:t>Better:</a:t>
+            </a:r>
+          </a:p>
+          <a:p>
+            <a:pPr marL="400050" lvl="1" indent="0">
+              <a:buNone/>
+            </a:pPr>
+            <a:r>
+              <a:rPr lang="en-US" sz="1800" b="1" dirty="0">
+                <a:latin typeface="Consolas" pitchFamily="49" charset="0"/>
+                <a:cs typeface="Consolas" pitchFamily="49" charset="0"/>
+              </a:rPr>
+              <a:t>(check-equal?</a:t>
+            </a:r>
+          </a:p>
+          <a:p>
+            <a:pPr marL="400050" lvl="1" indent="0">
+              <a:buNone/>
+            </a:pPr>
+            <a:r>
+              <a:rPr lang="en-US" sz="1800" b="1" dirty="0">
+                <a:latin typeface="Consolas" pitchFamily="49" charset="0"/>
+                <a:cs typeface="Consolas" pitchFamily="49" charset="0"/>
+              </a:rPr>
+              <a:t> (book-profit-margin </a:t>
+            </a:r>
+          </a:p>
+          <a:p>
+            <a:pPr marL="400050" lvl="1" indent="0">
+              <a:buNone/>
+            </a:pPr>
+            <a:r>
+              <a:rPr lang="en-US" sz="1800" b="1" dirty="0">
+                <a:latin typeface="Consolas" pitchFamily="49" charset="0"/>
+                <a:cs typeface="Consolas" pitchFamily="49" charset="0"/>
+              </a:rPr>
+              <a:t>  (make-book "Little Lisper" "Friedman" </a:t>
+            </a:r>
+            <a:r>
+              <a:rPr lang="en-US" sz="1800" b="1" dirty="0">
+                <a:solidFill>
+                  <a:srgbClr val="FF0000"/>
+                </a:solidFill>
+                <a:latin typeface="Consolas" pitchFamily="49" charset="0"/>
+                <a:cs typeface="Consolas" pitchFamily="49" charset="0"/>
+              </a:rPr>
+              <a:t>2.00 5.00</a:t>
+            </a:r>
+            <a:r>
+              <a:rPr lang="en-US" sz="1800" b="1" dirty="0">
+                <a:latin typeface="Consolas" pitchFamily="49" charset="0"/>
+                <a:cs typeface="Consolas" pitchFamily="49" charset="0"/>
+              </a:rPr>
+              <a:t>)) </a:t>
+            </a:r>
+          </a:p>
+          <a:p>
+            <a:pPr marL="400050" lvl="1" indent="0">
+              <a:buNone/>
+            </a:pPr>
+            <a:r>
+              <a:rPr lang="en-US" sz="1800" b="1" dirty="0">
+                <a:latin typeface="Consolas" pitchFamily="49" charset="0"/>
+                <a:cs typeface="Consolas" pitchFamily="49" charset="0"/>
+              </a:rPr>
+              <a:t> </a:t>
+            </a:r>
+            <a:r>
+              <a:rPr lang="en-US" sz="1800" b="1" dirty="0">
+                <a:solidFill>
+                  <a:srgbClr val="FF0000"/>
+                </a:solidFill>
+                <a:latin typeface="Consolas" pitchFamily="49" charset="0"/>
+                <a:cs typeface="Consolas" pitchFamily="49" charset="0"/>
+              </a:rPr>
+              <a:t>3.00</a:t>
+            </a:r>
+            <a:r>
+              <a:rPr lang="en-US" sz="1800" b="1" dirty="0">
+                <a:latin typeface="Consolas" pitchFamily="49" charset="0"/>
+                <a:cs typeface="Consolas" pitchFamily="49" charset="0"/>
+              </a:rPr>
+              <a:t>)</a:t>
+            </a:r>
+          </a:p>
+          <a:p>
             <a:endParaRPr lang="en-US" dirty="0"/>
           </a:p>
         </p:txBody>
@@ -8530,7 +8740,7 @@
     </p:spTree>
     <p:extLst>
       <p:ext uri="{BB962C8B-B14F-4D97-AF65-F5344CB8AC3E}">
-        <p14:creationId xmlns:p14="http://schemas.microsoft.com/office/powerpoint/2010/main" val="4086573627"/>
+        <p14:creationId xmlns:p14="http://schemas.microsoft.com/office/powerpoint/2010/main" val="1501328677"/>
       </p:ext>
     </p:extLst>
   </p:cSld>
@@ -9080,7 +9290,7 @@
             <a:pPr lvl="2"/>
             <a:r>
               <a:rPr lang="en-US" dirty="0"/>
-              <a:t>Add a test to see if your function called the right helper?</a:t>
+              <a:t>Add a test to see if your function called the right helper.  Did it?</a:t>
             </a:r>
           </a:p>
           <a:p>
@@ -9201,10 +9411,15 @@
             <p:ph idx="1"/>
           </p:nvPr>
         </p:nvSpPr>
-        <p:spPr/>
+        <p:spPr>
+          <a:xfrm>
+            <a:off x="457200" y="1600200"/>
+            <a:ext cx="8458200" cy="4525963"/>
+          </a:xfrm>
+        </p:spPr>
         <p:txBody>
           <a:bodyPr>
-            <a:normAutofit fontScale="92500" lnSpcReduction="10000"/>
+            <a:normAutofit fontScale="92500" lnSpcReduction="20000"/>
           </a:bodyPr>
           <a:lstStyle/>
           <a:p>
@@ -9427,31 +9642,85 @@
                 <a:latin typeface="Consolas" pitchFamily="49" charset="0"/>
                 <a:cs typeface="Consolas" pitchFamily="49" charset="0"/>
               </a:rPr>
-              <a:t>      ball-unselected point-inside-x point-inside-y</a:t>
-            </a:r>
-          </a:p>
-          <a:p>
-            <a:pPr marL="0" indent="0">
-              <a:buNone/>
-            </a:pPr>
+              <a:t>      ball-unselected point-inside-x point-inside-y </a:t>
+            </a:r>
             <a:r>
               <a:rPr lang="en-US" sz="1800" b="1" dirty="0">
                 <a:latin typeface="Consolas" pitchFamily="49" charset="0"/>
                 <a:cs typeface="Consolas" pitchFamily="49" charset="0"/>
               </a:rPr>
-              <a:t>      "button-down")</a:t>
-            </a:r>
-          </a:p>
-          <a:p>
-            <a:pPr marL="0" indent="0">
-              <a:buNone/>
-            </a:pPr>
+              <a:t>"</a:t>
+            </a:r>
             <a:r>
               <a:rPr lang="en-US" sz="1800" b="1" dirty="0">
                 <a:latin typeface="Consolas" pitchFamily="49" charset="0"/>
                 <a:cs typeface="Consolas" pitchFamily="49" charset="0"/>
               </a:rPr>
-              <a:t>    ball-selected)</a:t>
+              <a:t>button-down")</a:t>
+            </a:r>
+          </a:p>
+          <a:p>
+            <a:pPr marL="0" indent="0">
+              <a:buNone/>
+            </a:pPr>
+            <a:r>
+              <a:rPr lang="en-US" sz="1800" b="1" dirty="0">
+                <a:latin typeface="Consolas" pitchFamily="49" charset="0"/>
+                <a:cs typeface="Consolas" pitchFamily="49" charset="0"/>
+              </a:rPr>
+              <a:t>    ball-selected</a:t>
+            </a:r>
+          </a:p>
+          <a:p>
+            <a:pPr marL="0" indent="0">
+              <a:buNone/>
+            </a:pPr>
+            <a:r>
+              <a:rPr lang="en-US" sz="1800" b="1" dirty="0">
+                <a:latin typeface="Consolas" pitchFamily="49" charset="0"/>
+                <a:cs typeface="Consolas" pitchFamily="49" charset="0"/>
+              </a:rPr>
+              <a:t>    </a:t>
+            </a:r>
+            <a:r>
+              <a:rPr lang="en-US" sz="1800" b="1" dirty="0">
+                <a:latin typeface="Consolas" pitchFamily="49" charset="0"/>
+                <a:cs typeface="Consolas" pitchFamily="49" charset="0"/>
+              </a:rPr>
+              <a:t>"</a:t>
+            </a:r>
+            <a:r>
+              <a:rPr lang="en-US" sz="1800" b="1" dirty="0">
+                <a:latin typeface="Consolas" pitchFamily="49" charset="0"/>
+                <a:cs typeface="Consolas" pitchFamily="49" charset="0"/>
+              </a:rPr>
+              <a:t>button-down on an unselected ball should make the ball     </a:t>
+            </a:r>
+          </a:p>
+          <a:p>
+            <a:pPr marL="0" indent="0">
+              <a:buNone/>
+            </a:pPr>
+            <a:r>
+              <a:rPr lang="en-US" sz="1800" b="1" dirty="0">
+                <a:latin typeface="Consolas" pitchFamily="49" charset="0"/>
+                <a:cs typeface="Consolas" pitchFamily="49" charset="0"/>
+              </a:rPr>
+              <a:t>     selected</a:t>
+            </a:r>
+            <a:r>
+              <a:rPr lang="en-US" sz="1800" b="1" dirty="0">
+                <a:latin typeface="Consolas" pitchFamily="49" charset="0"/>
+                <a:cs typeface="Consolas" pitchFamily="49" charset="0"/>
+              </a:rPr>
+              <a:t>"</a:t>
+            </a:r>
+            <a:r>
+              <a:rPr lang="en-US" sz="1800" b="1" dirty="0">
+                <a:latin typeface="Consolas" pitchFamily="49" charset="0"/>
+                <a:cs typeface="Consolas" pitchFamily="49" charset="0"/>
+              </a:rPr>
+              <a:t>)</a:t>
             </a:r>
           </a:p>
           <a:p>
@@ -9545,7 +9814,7 @@
         </p:nvSpPr>
         <p:spPr>
           <a:xfrm>
-            <a:off x="4343400" y="5410200"/>
+            <a:off x="4114800" y="5516563"/>
             <a:ext cx="3505200" cy="1219200"/>
           </a:xfrm>
           <a:prstGeom prst="rect">
@@ -10752,7 +11021,7 @@
           <a:p>
             <a:r>
               <a:rPr lang="en-US" dirty="0"/>
-              <a:t>Learning Objectives</a:t>
+              <a:t>Summary</a:t>
             </a:r>
           </a:p>
         </p:txBody>
@@ -10774,7 +11043,7 @@
           <a:p>
             <a:r>
               <a:rPr lang="en-US" dirty="0"/>
-              <a:t>At the end of this lesson, the student should be able to:</a:t>
+              <a:t>You should now be able to:</a:t>
             </a:r>
           </a:p>
           <a:p>
@@ -10916,7 +11185,7 @@
           <a:p>
             <a:r>
               <a:rPr lang="en-US" dirty="0"/>
-              <a:t>Study 02-6-test-quadratics.rkt and 02-7-ball-after-mouse-with-tests.rkt .</a:t>
+              <a:t>Study 02-4-1-test-quadratics.rkt and 02-4-2-ball-after-mouse-with-tests.rkt .</a:t>
             </a:r>
           </a:p>
           <a:p>
@@ -11168,7 +11437,11 @@
               <a:buNone/>
             </a:pPr>
             <a:r>
-              <a:rPr lang="en-US" i="1" dirty="0"/>
+              <a:rPr lang="en-US" i="1" dirty="0">
+                <a:solidFill>
+                  <a:schemeClr val="accent1"/>
+                </a:solidFill>
+              </a:rPr>
               <a:t>If they don’t, then the program is not ready for further testing...</a:t>
             </a:r>
           </a:p>
@@ -11267,6 +11540,18 @@
           <a:p>
             <a:r>
               <a:rPr lang="en-US" dirty="0"/>
+              <a:t>Does the program’s behavior satisfy the requirements given in the problem?</a:t>
+            </a:r>
+          </a:p>
+          <a:p>
+            <a:r>
+              <a:rPr lang="en-US" dirty="0"/>
+              <a:t>This is our primary focus</a:t>
+            </a:r>
+          </a:p>
+          <a:p>
+            <a:r>
+              <a:rPr lang="en-US" dirty="0"/>
               <a:t>The requirements probably give some examples.  Be sure to test them!</a:t>
             </a:r>
           </a:p>
@@ -11274,12 +11559,6 @@
             <a:r>
               <a:rPr lang="en-US" dirty="0"/>
               <a:t>Sometimes the requirements are more complicated, so you'll have to make up examples to check the requirements.</a:t>
-            </a:r>
-          </a:p>
-          <a:p>
-            <a:r>
-              <a:rPr lang="en-US" dirty="0"/>
-              <a:t>This is our primary focus</a:t>
             </a:r>
           </a:p>
         </p:txBody>
@@ -11537,6 +11816,81 @@
           </a:p>
         </p:txBody>
       </p:sp>
+      <p:sp>
+        <p:nvSpPr>
+          <p:cNvPr id="5" name="TextBox 4"/>
+          <p:cNvSpPr txBox="1"/>
+          <p:nvPr/>
+        </p:nvSpPr>
+        <p:spPr>
+          <a:xfrm>
+            <a:off x="4114800" y="6033184"/>
+            <a:ext cx="4038600" cy="646331"/>
+          </a:xfrm>
+          <a:prstGeom prst="rect">
+            <a:avLst/>
+          </a:prstGeom>
+          <a:solidFill>
+            <a:schemeClr val="accent3">
+              <a:lumMod val="60000"/>
+              <a:lumOff val="40000"/>
+            </a:schemeClr>
+          </a:solidFill>
+        </p:spPr>
+        <p:txBody>
+          <a:bodyPr wrap="square" rtlCol="0">
+            <a:spAutoFit/>
+          </a:bodyPr>
+          <a:lstStyle/>
+          <a:p>
+            <a:r>
+              <a:rPr lang="en-US" dirty="0"/>
+              <a:t>Regression testing:  Did I just break something?</a:t>
+            </a:r>
+          </a:p>
+        </p:txBody>
+      </p:sp>
+      <p:cxnSp>
+        <p:nvCxnSpPr>
+          <p:cNvPr id="7" name="Straight Arrow Connector 6"/>
+          <p:cNvCxnSpPr>
+            <a:stCxn id="5" idx="0"/>
+          </p:cNvCxnSpPr>
+          <p:nvPr/>
+        </p:nvCxnSpPr>
+        <p:spPr>
+          <a:xfrm flipH="1" flipV="1">
+            <a:off x="5486400" y="4953000"/>
+            <a:ext cx="647700" cy="1080184"/>
+          </a:xfrm>
+          <a:prstGeom prst="straightConnector1">
+            <a:avLst/>
+          </a:prstGeom>
+          <a:ln w="25400">
+            <a:solidFill>
+              <a:schemeClr val="accent3">
+                <a:lumMod val="60000"/>
+                <a:lumOff val="40000"/>
+              </a:schemeClr>
+            </a:solidFill>
+            <a:tailEnd type="triangle" w="lg" len="lg"/>
+          </a:ln>
+        </p:spPr>
+        <p:style>
+          <a:lnRef idx="1">
+            <a:schemeClr val="accent1"/>
+          </a:lnRef>
+          <a:fillRef idx="0">
+            <a:schemeClr val="accent1"/>
+          </a:fillRef>
+          <a:effectRef idx="0">
+            <a:schemeClr val="accent1"/>
+          </a:effectRef>
+          <a:fontRef idx="minor">
+            <a:schemeClr val="tx1"/>
+          </a:fontRef>
+        </p:style>
+      </p:cxnSp>
     </p:spTree>
     <p:extLst>
       <p:ext uri="{BB962C8B-B14F-4D97-AF65-F5344CB8AC3E}">
@@ -11645,7 +11999,7 @@
                 <a:latin typeface="Consolas" pitchFamily="49" charset="0"/>
                 <a:cs typeface="Consolas" pitchFamily="49" charset="0"/>
               </a:rPr>
-              <a:t>    "32 Fahrenheit was not 0 Celsius")</a:t>
+              <a:t>    "32 Fahrenheit should be 0 Celsius")</a:t>
             </a:r>
           </a:p>
           <a:p>
@@ -11669,7 +12023,7 @@
                 <a:latin typeface="Consolas" pitchFamily="49" charset="0"/>
                 <a:cs typeface="Consolas" pitchFamily="49" charset="0"/>
               </a:rPr>
-              <a:t>    "212 Fahrenheit was not 100 Celsius"))</a:t>
+              <a:t>    "212 Fahrenheit should be 100 Celsius"))</a:t>
             </a:r>
             <a:endParaRPr lang="en-US" sz="2000" b="1" dirty="0">
               <a:latin typeface="Courier New" pitchFamily="49" charset="0"/>
@@ -12192,6 +12546,24 @@
         </a:fontRef>
       </a:style>
     </a:spDef>
+    <a:txDef>
+      <a:spPr>
+        <a:solidFill>
+          <a:schemeClr val="accent1">
+            <a:lumMod val="20000"/>
+            <a:lumOff val="80000"/>
+          </a:schemeClr>
+        </a:solidFill>
+      </a:spPr>
+      <a:bodyPr wrap="square" rtlCol="0">
+        <a:spAutoFit/>
+      </a:bodyPr>
+      <a:lstStyle>
+        <a:defPPr>
+          <a:defRPr dirty="0" smtClean="0"/>
+        </a:defPPr>
+      </a:lstStyle>
+    </a:txDef>
   </a:objectDefaults>
   <a:extraClrSchemeLst/>
 </a:theme>

--- a/Slides/Lesson 2.4 Testing.pptx
+++ b/Slides/Lesson 2.4 Testing.pptx
@@ -286,7 +286,7 @@
           <a:p>
             <a:fld id="{0FAC78B3-EDCE-4187-A1AE-28620314FA32}" type="datetimeFigureOut">
               <a:rPr lang="en-US" smtClean="0"/>
-              <a:t>7/26/2017</a:t>
+              <a:t>8/11/2017</a:t>
             </a:fld>
             <a:endParaRPr lang="en-US"/>
           </a:p>
@@ -1334,7 +1334,7 @@
                 </a:solidFill>
               </a:rPr>
               <a:pPr/>
-              <a:t>7/26/2017</a:t>
+              <a:t>8/11/2017</a:t>
             </a:fld>
             <a:endParaRPr lang="en-US">
               <a:solidFill>
@@ -1461,7 +1461,7 @@
                 </a:solidFill>
               </a:rPr>
               <a:pPr/>
-              <a:t>7/26/2017</a:t>
+              <a:t>8/11/2017</a:t>
             </a:fld>
             <a:endParaRPr lang="en-US">
               <a:solidFill>
@@ -1768,7 +1768,7 @@
                 </a:solidFill>
               </a:rPr>
               <a:pPr/>
-              <a:t>7/26/2017</a:t>
+              <a:t>8/11/2017</a:t>
             </a:fld>
             <a:endParaRPr lang="en-US">
               <a:solidFill>
@@ -2052,7 +2052,7 @@
                 </a:solidFill>
               </a:rPr>
               <a:pPr/>
-              <a:t>7/26/2017</a:t>
+              <a:t>8/11/2017</a:t>
             </a:fld>
             <a:endParaRPr lang="en-US">
               <a:solidFill>
@@ -2252,7 +2252,7 @@
                 </a:solidFill>
               </a:rPr>
               <a:pPr/>
-              <a:t>7/26/2017</a:t>
+              <a:t>8/11/2017</a:t>
             </a:fld>
             <a:endParaRPr lang="en-US">
               <a:solidFill>
@@ -2462,7 +2462,7 @@
                 </a:solidFill>
               </a:rPr>
               <a:pPr/>
-              <a:t>7/26/2017</a:t>
+              <a:t>8/11/2017</a:t>
             </a:fld>
             <a:endParaRPr lang="en-US">
               <a:solidFill>
@@ -2668,7 +2668,7 @@
                 </a:solidFill>
               </a:rPr>
               <a:pPr/>
-              <a:t>7/26/2017</a:t>
+              <a:t>8/11/2017</a:t>
             </a:fld>
             <a:endParaRPr lang="en-US">
               <a:solidFill>
@@ -2873,7 +2873,7 @@
                 </a:solidFill>
               </a:rPr>
               <a:pPr/>
-              <a:t>7/26/2017</a:t>
+              <a:t>8/11/2017</a:t>
             </a:fld>
             <a:endParaRPr lang="en-US">
               <a:solidFill>
@@ -3164,7 +3164,7 @@
                 </a:solidFill>
               </a:rPr>
               <a:pPr/>
-              <a:t>7/26/2017</a:t>
+              <a:t>8/11/2017</a:t>
             </a:fld>
             <a:endParaRPr lang="en-US">
               <a:solidFill>
@@ -3372,7 +3372,7 @@
                 </a:solidFill>
               </a:rPr>
               <a:pPr/>
-              <a:t>7/26/2017</a:t>
+              <a:t>8/11/2017</a:t>
             </a:fld>
             <a:endParaRPr lang="en-US">
               <a:solidFill>
@@ -3698,7 +3698,7 @@
                 </a:solidFill>
               </a:rPr>
               <a:pPr/>
-              <a:t>7/26/2017</a:t>
+              <a:t>8/11/2017</a:t>
             </a:fld>
             <a:endParaRPr lang="en-US">
               <a:solidFill>
@@ -4015,7 +4015,7 @@
                 </a:solidFill>
               </a:rPr>
               <a:pPr/>
-              <a:t>7/26/2017</a:t>
+              <a:t>8/11/2017</a:t>
             </a:fld>
             <a:endParaRPr lang="en-US">
               <a:solidFill>
@@ -4466,7 +4466,7 @@
                 </a:solidFill>
               </a:rPr>
               <a:pPr/>
-              <a:t>7/26/2017</a:t>
+              <a:t>8/11/2017</a:t>
             </a:fld>
             <a:endParaRPr lang="en-US">
               <a:solidFill>
@@ -4615,7 +4615,7 @@
                 </a:solidFill>
               </a:rPr>
               <a:pPr/>
-              <a:t>7/26/2017</a:t>
+              <a:t>8/11/2017</a:t>
             </a:fld>
             <a:endParaRPr lang="en-US">
               <a:solidFill>
@@ -4870,7 +4870,7 @@
                 </a:solidFill>
               </a:rPr>
               <a:pPr/>
-              <a:t>7/26/2017</a:t>
+              <a:t>8/11/2017</a:t>
             </a:fld>
             <a:endParaRPr lang="en-US">
               <a:solidFill>
@@ -9642,21 +9642,31 @@
                 <a:latin typeface="Consolas" pitchFamily="49" charset="0"/>
                 <a:cs typeface="Consolas" pitchFamily="49" charset="0"/>
               </a:rPr>
-              <a:t>      ball-unselected point-inside-x point-inside-y </a:t>
-            </a:r>
+              <a:t>      ball-unselected point-inside-x point-inside-y "button-down")</a:t>
+            </a:r>
+          </a:p>
+          <a:p>
+            <a:pPr marL="0" indent="0">
+              <a:buNone/>
+            </a:pPr>
             <a:r>
               <a:rPr lang="en-US" sz="1800" b="1" dirty="0">
                 <a:latin typeface="Consolas" pitchFamily="49" charset="0"/>
                 <a:cs typeface="Consolas" pitchFamily="49" charset="0"/>
               </a:rPr>
-              <a:t>"</a:t>
-            </a:r>
+              <a:t>    ball-selected</a:t>
+            </a:r>
+          </a:p>
+          <a:p>
+            <a:pPr marL="0" indent="0">
+              <a:buNone/>
+            </a:pPr>
             <a:r>
               <a:rPr lang="en-US" sz="1800" b="1" dirty="0">
                 <a:latin typeface="Consolas" pitchFamily="49" charset="0"/>
                 <a:cs typeface="Consolas" pitchFamily="49" charset="0"/>
               </a:rPr>
-              <a:t>button-down")</a:t>
+              <a:t>    "button-down on an unselected ball should make the ball     </a:t>
             </a:r>
           </a:p>
           <a:p>
@@ -9668,59 +9678,7 @@
                 <a:latin typeface="Consolas" pitchFamily="49" charset="0"/>
                 <a:cs typeface="Consolas" pitchFamily="49" charset="0"/>
               </a:rPr>
-              <a:t>    ball-selected</a:t>
-            </a:r>
-          </a:p>
-          <a:p>
-            <a:pPr marL="0" indent="0">
-              <a:buNone/>
-            </a:pPr>
-            <a:r>
-              <a:rPr lang="en-US" sz="1800" b="1" dirty="0">
-                <a:latin typeface="Consolas" pitchFamily="49" charset="0"/>
-                <a:cs typeface="Consolas" pitchFamily="49" charset="0"/>
-              </a:rPr>
-              <a:t>    </a:t>
-            </a:r>
-            <a:r>
-              <a:rPr lang="en-US" sz="1800" b="1" dirty="0">
-                <a:latin typeface="Consolas" pitchFamily="49" charset="0"/>
-                <a:cs typeface="Consolas" pitchFamily="49" charset="0"/>
-              </a:rPr>
-              <a:t>"</a:t>
-            </a:r>
-            <a:r>
-              <a:rPr lang="en-US" sz="1800" b="1" dirty="0">
-                <a:latin typeface="Consolas" pitchFamily="49" charset="0"/>
-                <a:cs typeface="Consolas" pitchFamily="49" charset="0"/>
-              </a:rPr>
-              <a:t>button-down on an unselected ball should make the ball     </a:t>
-            </a:r>
-          </a:p>
-          <a:p>
-            <a:pPr marL="0" indent="0">
-              <a:buNone/>
-            </a:pPr>
-            <a:r>
-              <a:rPr lang="en-US" sz="1800" b="1" dirty="0">
-                <a:latin typeface="Consolas" pitchFamily="49" charset="0"/>
-                <a:cs typeface="Consolas" pitchFamily="49" charset="0"/>
-              </a:rPr>
-              <a:t>     selected</a:t>
-            </a:r>
-            <a:r>
-              <a:rPr lang="en-US" sz="1800" b="1" dirty="0">
-                <a:latin typeface="Consolas" pitchFamily="49" charset="0"/>
-                <a:cs typeface="Consolas" pitchFamily="49" charset="0"/>
-              </a:rPr>
-              <a:t>"</a:t>
-            </a:r>
-            <a:r>
-              <a:rPr lang="en-US" sz="1800" b="1" dirty="0">
-                <a:latin typeface="Consolas" pitchFamily="49" charset="0"/>
-                <a:cs typeface="Consolas" pitchFamily="49" charset="0"/>
-              </a:rPr>
-              <a:t>)</a:t>
+              <a:t>     selected")</a:t>
             </a:r>
           </a:p>
           <a:p>
@@ -10942,7 +10900,15 @@
           <a:p>
             <a:r>
               <a:rPr lang="en-US" dirty="0"/>
-              <a:t>If your employer does not have conventions for systematic testing, you should urge him (or her) to introduce one.</a:t>
+              <a:t>If your employer does not have a convention </a:t>
+            </a:r>
+            <a:r>
+              <a:rPr lang="en-US"/>
+              <a:t>or process </a:t>
+            </a:r>
+            <a:r>
+              <a:rPr lang="en-US" dirty="0"/>
+              <a:t>for systematic testing, you should urge him (or her) to introduce one.</a:t>
             </a:r>
           </a:p>
           <a:p>
@@ -11180,12 +11146,20 @@
         </p:nvSpPr>
         <p:spPr/>
         <p:txBody>
-          <a:bodyPr/>
+          <a:bodyPr>
+            <a:normAutofit lnSpcReduction="10000"/>
+          </a:bodyPr>
           <a:lstStyle/>
           <a:p>
             <a:r>
               <a:rPr lang="en-US" dirty="0"/>
               <a:t>Study 02-4-1-test-quadratics.rkt and 02-4-2-ball-after-mouse-with-tests.rkt .</a:t>
+            </a:r>
+          </a:p>
+          <a:p>
+            <a:r>
+              <a:rPr lang="en-US" dirty="0"/>
+              <a:t>Remove some of the tests from 02-4-2-ball-after-mouse-with-tests.rkt and compare the code coloring with and without 100% test coverage.</a:t>
             </a:r>
           </a:p>
           <a:p>
@@ -11654,23 +11628,27 @@
         <p:spPr/>
         <p:txBody>
           <a:bodyPr>
-            <a:normAutofit fontScale="85000" lnSpcReduction="20000"/>
+            <a:normAutofit fontScale="77500" lnSpcReduction="20000"/>
           </a:bodyPr>
           <a:lstStyle/>
           <a:p>
             <a:r>
               <a:rPr lang="en-US" dirty="0"/>
-              <a:t>We will give you a file called </a:t>
-            </a:r>
-            <a:r>
-              <a:rPr lang="en-US" b="1" dirty="0" err="1">
-                <a:hlinkClick r:id="rId3" action="ppaction://hlinkfile"/>
-              </a:rPr>
+              <a:t>In  the Examples folder, you will find a file called </a:t>
+            </a:r>
+            <a:r>
+              <a:rPr lang="en-US" b="1" dirty="0" err="1"/>
               <a:t>extras.rkt</a:t>
             </a:r>
             <a:r>
               <a:rPr lang="en-US" dirty="0"/>
               <a:t> that you should put in the folder with your work.</a:t>
+            </a:r>
+          </a:p>
+          <a:p>
+            <a:r>
+              <a:rPr lang="en-US" dirty="0"/>
+              <a:t>Copy it into the folder where your code is.</a:t>
             </a:r>
           </a:p>
           <a:p>
